--- a/trunk/doc/pptx cpp.pptx
+++ b/trunk/doc/pptx cpp.pptx
@@ -7430,7 +7430,6 @@
               <a:rPr lang="fr-FR" b="1" u="sng" dirty="0" smtClean="0"/>
               <a:t>Algorithmes principaux</a:t>
             </a:r>
-            <a:endParaRPr lang="fr-FR" b="1" u="sng" dirty="0" smtClean="0"/>
           </a:p>
           <a:p>
             <a:pPr marL="457200" indent="-457200">
@@ -7451,11 +7450,7 @@
             </a:r>
             <a:r>
               <a:rPr lang="fr-FR" dirty="0" smtClean="0"/>
-              <a:t> </a:t>
-            </a:r>
-            <a:r>
-              <a:rPr lang="fr-FR" dirty="0" smtClean="0"/>
-              <a:t>Graph</a:t>
+              <a:t> Graph</a:t>
             </a:r>
             <a:r>
               <a:rPr lang="fr-FR" dirty="0" smtClean="0">
@@ -7558,7 +7553,11 @@
             </a:pPr>
             <a:r>
               <a:rPr lang="fr-FR" sz="1800" dirty="0" smtClean="0"/>
-              <a:t>Sinon d = t[i].b, f = t[i].f</a:t>
+              <a:t>Sinon d = t[i].b, f = t[i].</a:t>
+            </a:r>
+            <a:r>
+              <a:rPr lang="fr-FR" sz="1800" dirty="0" smtClean="0"/>
+              <a:t>f, on débute une nouvelle CFC</a:t>
             </a:r>
             <a:endParaRPr lang="fr-FR" sz="1800" dirty="0" smtClean="0"/>
           </a:p>
@@ -7760,7 +7759,6 @@
               <a:rPr lang="fr-FR" b="1" u="sng" dirty="0" smtClean="0"/>
               <a:t>Algorithmes principaux</a:t>
             </a:r>
-            <a:endParaRPr lang="fr-FR" b="1" u="sng" dirty="0" smtClean="0"/>
           </a:p>
           <a:p>
             <a:pPr marL="457200" indent="-457200">
@@ -7880,7 +7878,15 @@
             </a:pPr>
             <a:r>
               <a:rPr lang="fr-FR" dirty="0" smtClean="0"/>
-              <a:t>Initialisation des temps d’accès à INT_MAX (Equivalant ∞)</a:t>
+              <a:t>Initialisation des temps d’accès à INT_MAX (</a:t>
+            </a:r>
+            <a:r>
+              <a:rPr lang="fr-FR" dirty="0" smtClean="0"/>
+              <a:t>Equivalent </a:t>
+            </a:r>
+            <a:r>
+              <a:rPr lang="fr-FR" dirty="0" smtClean="0"/>
+              <a:t>∞)</a:t>
             </a:r>
           </a:p>
           <a:p>
@@ -7902,7 +7908,6 @@
               <a:rPr lang="fr-FR" dirty="0" smtClean="0"/>
               <a:t>Initialisation du temps d’accès de x à 0</a:t>
             </a:r>
-            <a:endParaRPr lang="fr-FR" dirty="0" smtClean="0"/>
           </a:p>
           <a:p>
             <a:pPr marL="457200" indent="-457200">
@@ -7931,17 +7936,8 @@
             </a:pPr>
             <a:r>
               <a:rPr lang="fr-FR" sz="1800" dirty="0" smtClean="0"/>
-              <a:t>Mettre </a:t>
-            </a:r>
-            <a:r>
-              <a:rPr lang="fr-FR" sz="1800" dirty="0" smtClean="0"/>
-              <a:t>à jour les temps d’accès de ses </a:t>
-            </a:r>
-            <a:r>
-              <a:rPr lang="fr-FR" sz="1800" dirty="0" smtClean="0"/>
-              <a:t>successeurs :</a:t>
-            </a:r>
-            <a:endParaRPr lang="fr-FR" sz="1800" dirty="0" smtClean="0"/>
+              <a:t>Mettre à jour les temps d’accès de ses successeurs :</a:t>
+            </a:r>
           </a:p>
           <a:p>
             <a:pPr marL="1197864" lvl="1" indent="-457200">
@@ -7957,11 +7953,7 @@
             </a:r>
             <a:r>
               <a:rPr lang="fr-FR" sz="1800" dirty="0" smtClean="0"/>
-              <a:t>);	// </a:t>
-            </a:r>
-            <a:r>
-              <a:rPr lang="fr-FR" sz="1800" dirty="0" smtClean="0"/>
-              <a:t>i sommet actuel, j un successeur</a:t>
+              <a:t>);	// i sommet actuel, j un successeur</a:t>
             </a:r>
           </a:p>
           <a:p>
@@ -7980,11 +7972,7 @@
             </a:pPr>
             <a:r>
               <a:rPr lang="fr-FR" sz="1800" dirty="0" smtClean="0"/>
-              <a:t>	 </a:t>
-            </a:r>
-            <a:r>
-              <a:rPr lang="fr-FR" sz="1800" dirty="0" smtClean="0"/>
-              <a:t>  </a:t>
+              <a:t>	   </a:t>
             </a:r>
             <a:r>
               <a:rPr lang="el-GR" sz="1800" dirty="0" smtClean="0"/>
@@ -7994,7 +7982,6 @@
               <a:rPr lang="fr-FR" sz="1800" dirty="0" smtClean="0"/>
               <a:t>(j) = i;</a:t>
             </a:r>
-            <a:endParaRPr lang="fr-FR" sz="1800" dirty="0" smtClean="0"/>
           </a:p>
           <a:p>
             <a:pPr marL="457200" indent="-457200">
@@ -8002,12 +7989,12 @@
               <a:buChar char="-"/>
             </a:pPr>
             <a:r>
-              <a:rPr lang="fr-FR" dirty="0" err="1" smtClean="0"/>
-              <a:t>Renvoit</a:t>
-            </a:r>
-            <a:r>
               <a:rPr lang="fr-FR" dirty="0" smtClean="0"/>
-              <a:t> du </a:t>
+              <a:t>Renvoie </a:t>
+            </a:r>
+            <a:r>
+              <a:rPr lang="fr-FR" dirty="0" smtClean="0"/>
+              <a:t>du </a:t>
             </a:r>
             <a:r>
               <a:rPr lang="fr-FR" dirty="0" err="1" smtClean="0"/>
@@ -8220,7 +8207,7 @@
         </p:spPr>
         <p:txBody>
           <a:bodyPr>
-            <a:normAutofit/>
+            <a:normAutofit lnSpcReduction="10000"/>
           </a:bodyPr>
           <a:lstStyle>
             <a:extLst/>
@@ -8234,7 +8221,6 @@
               <a:rPr lang="fr-FR" b="1" u="sng" dirty="0" smtClean="0"/>
               <a:t>Algorithmes principaux</a:t>
             </a:r>
-            <a:endParaRPr lang="fr-FR" b="1" u="sng" dirty="0" smtClean="0"/>
           </a:p>
           <a:p>
             <a:pPr marL="457200" indent="-457200">
@@ -8305,8 +8291,13 @@
             </a:pPr>
             <a:r>
               <a:rPr lang="fr-FR" dirty="0" smtClean="0"/>
-              <a:t>Pour chaque question x -&gt; y faire</a:t>
-            </a:r>
+              <a:t>Pour chaque </a:t>
+            </a:r>
+            <a:r>
+              <a:rPr lang="fr-FR" dirty="0" smtClean="0"/>
+              <a:t>point de départ distinct x faire</a:t>
+            </a:r>
+            <a:endParaRPr lang="fr-FR" dirty="0" smtClean="0"/>
           </a:p>
           <a:p>
             <a:pPr marL="1197864" lvl="1" indent="-457200">
@@ -8332,22 +8323,34 @@
             <a:endParaRPr lang="fr-FR" sz="1800" dirty="0" smtClean="0"/>
           </a:p>
           <a:p>
+            <a:pPr marL="457200" indent="-457200"/>
+            <a:r>
+              <a:rPr lang="fr-FR" dirty="0" smtClean="0"/>
+              <a:t>- 	Pour  chaque question x -&gt; y faire</a:t>
+            </a:r>
+          </a:p>
+          <a:p>
             <a:pPr marL="1197864" lvl="1" indent="-457200">
               <a:buFontTx/>
               <a:buChar char="-"/>
             </a:pPr>
             <a:r>
               <a:rPr lang="fr-FR" sz="1800" dirty="0" err="1" smtClean="0"/>
-              <a:t>t</a:t>
-            </a:r>
-            <a:r>
-              <a:rPr lang="fr-FR" sz="1800" dirty="0" err="1" smtClean="0"/>
-              <a:t>_min</a:t>
+              <a:t>t_min</a:t>
             </a:r>
             <a:r>
               <a:rPr lang="fr-FR" sz="1800" dirty="0" smtClean="0"/>
-              <a:t> = d(y)</a:t>
-            </a:r>
+              <a:t> </a:t>
+            </a:r>
+            <a:r>
+              <a:rPr lang="fr-FR" sz="1800" dirty="0" smtClean="0"/>
+              <a:t>= d(y</a:t>
+            </a:r>
+            <a:r>
+              <a:rPr lang="fr-FR" sz="1800" dirty="0" smtClean="0"/>
+              <a:t>) dans le tableau de x</a:t>
+            </a:r>
+            <a:endParaRPr lang="fr-FR" sz="1800" dirty="0" smtClean="0"/>
           </a:p>
           <a:p>
             <a:pPr marL="1197864" lvl="1" indent="-457200">
@@ -8355,15 +8358,7 @@
             </a:pPr>
             <a:r>
               <a:rPr lang="fr-FR" sz="1800" dirty="0" smtClean="0"/>
-              <a:t>// </a:t>
-            </a:r>
-            <a:r>
-              <a:rPr lang="fr-FR" sz="1800" dirty="0" smtClean="0"/>
-              <a:t>Affichage du chemin </a:t>
-            </a:r>
-            <a:r>
-              <a:rPr lang="fr-FR" sz="1800" dirty="0" smtClean="0"/>
-              <a:t>:</a:t>
+              <a:t>// Affichage du chemin :</a:t>
             </a:r>
           </a:p>
           <a:p>
@@ -8374,7 +8369,6 @@
               <a:rPr lang="fr-FR" sz="1800" dirty="0" smtClean="0"/>
               <a:t>-	Afficher y</a:t>
             </a:r>
-            <a:endParaRPr lang="fr-FR" sz="1800" dirty="0" smtClean="0"/>
           </a:p>
           <a:p>
             <a:pPr marL="1197864" lvl="1" indent="-457200">
@@ -8401,11 +8395,7 @@
             </a:pPr>
             <a:r>
               <a:rPr lang="fr-FR" sz="1600" dirty="0" smtClean="0"/>
-              <a:t>y</a:t>
-            </a:r>
-            <a:r>
-              <a:rPr lang="fr-FR" sz="1600" dirty="0" smtClean="0"/>
-              <a:t> = </a:t>
+              <a:t>y = </a:t>
             </a:r>
             <a:r>
               <a:rPr lang="el-GR" sz="1600" dirty="0" smtClean="0"/>
@@ -8415,7 +8405,6 @@
               <a:rPr lang="fr-FR" sz="1600" dirty="0" smtClean="0"/>
               <a:t>(y)</a:t>
             </a:r>
-            <a:endParaRPr lang="fr-FR" sz="1600" dirty="0" smtClean="0"/>
           </a:p>
           <a:p>
             <a:pPr marL="1453896" lvl="2" indent="-457200">
@@ -8426,7 +8415,6 @@
               <a:rPr lang="fr-FR" sz="1600" dirty="0" smtClean="0"/>
               <a:t>Afficher  y</a:t>
             </a:r>
-            <a:endParaRPr lang="fr-FR" sz="1600" dirty="0" smtClean="0"/>
           </a:p>
           <a:p>
             <a:pPr marL="1453896" lvl="2" indent="-457200">
@@ -8632,7 +8620,6 @@
               <a:rPr lang="fr-FR" b="1" u="sng" dirty="0" smtClean="0"/>
               <a:t>Algorithmes principaux</a:t>
             </a:r>
-            <a:endParaRPr lang="fr-FR" b="1" u="sng" dirty="0" smtClean="0"/>
           </a:p>
           <a:p>
             <a:pPr marL="457200" indent="-457200">
@@ -8741,23 +8728,19 @@
               <a:t>Traitement des cas simples : Source / </a:t>
             </a:r>
             <a:r>
-              <a:rPr lang="fr-FR" dirty="0" err="1" smtClean="0"/>
-              <a:t>Puit</a:t>
-            </a:r>
-            <a:r>
               <a:rPr lang="fr-FR" dirty="0" smtClean="0"/>
-              <a:t> / Point isolé</a:t>
+              <a:t>Puits </a:t>
+            </a:r>
+            <a:r>
+              <a:rPr lang="fr-FR" dirty="0" smtClean="0"/>
+              <a:t>/ Point isolé</a:t>
             </a:r>
           </a:p>
           <a:p>
             <a:pPr marL="457200" indent="-457200"/>
             <a:r>
               <a:rPr lang="fr-FR" dirty="0" smtClean="0"/>
-              <a:t>	</a:t>
-            </a:r>
-            <a:r>
-              <a:rPr lang="fr-FR" dirty="0" smtClean="0"/>
-              <a:t>	=&gt; Non important</a:t>
+              <a:t>		=&gt; Non important</a:t>
             </a:r>
           </a:p>
           <a:p>
@@ -8777,7 +8760,15 @@
             </a:pPr>
             <a:r>
               <a:rPr lang="fr-FR" sz="1800" dirty="0" smtClean="0"/>
-              <a:t>Si un des fils de x n’a pas d’autres père de la même CFC</a:t>
+              <a:t>Si un des fils de x </a:t>
+            </a:r>
+            <a:r>
+              <a:rPr lang="fr-FR" sz="1800" dirty="0" smtClean="0"/>
+              <a:t>de la même CFC n’a </a:t>
+            </a:r>
+            <a:r>
+              <a:rPr lang="fr-FR" sz="1800" dirty="0" smtClean="0"/>
+              <a:t>pas d’autres père de la même CFC</a:t>
             </a:r>
             <a:endParaRPr lang="fr-FR" sz="1400" dirty="0" smtClean="0"/>
           </a:p>
@@ -8787,13 +8778,8 @@
             </a:pPr>
             <a:r>
               <a:rPr lang="fr-FR" sz="1800" dirty="0" smtClean="0"/>
-              <a:t>	</a:t>
-            </a:r>
-            <a:r>
-              <a:rPr lang="fr-FR" sz="1800" dirty="0" smtClean="0"/>
-              <a:t>	=&gt; X est important</a:t>
-            </a:r>
-            <a:endParaRPr lang="fr-FR" sz="1800" dirty="0" smtClean="0"/>
+              <a:t>		=&gt; X est important</a:t>
+            </a:r>
           </a:p>
           <a:p>
             <a:pPr marL="457200" indent="-457200">
@@ -8821,11 +8807,7 @@
             </a:pPr>
             <a:r>
               <a:rPr lang="fr-FR" sz="1800" dirty="0" smtClean="0"/>
-              <a:t>	</a:t>
-            </a:r>
-            <a:r>
-              <a:rPr lang="fr-FR" sz="1800" dirty="0" smtClean="0"/>
-              <a:t>	=&gt; X est important</a:t>
+              <a:t>		=&gt; X est important</a:t>
             </a:r>
           </a:p>
           <a:p>
@@ -9076,15 +9058,15 @@
             </a:pPr>
             <a:r>
               <a:rPr lang="fr-FR" sz="1800" dirty="0" smtClean="0"/>
-              <a:t>Découverte des Unit Test, des </a:t>
-            </a:r>
-            <a:r>
-              <a:rPr lang="fr-FR" sz="1800" dirty="0" err="1" smtClean="0"/>
-              <a:t>maps</a:t>
+              <a:t>Découverte des Unit Test, </a:t>
             </a:r>
             <a:r>
               <a:rPr lang="fr-FR" sz="1800" dirty="0" smtClean="0"/>
-              <a:t>, …</a:t>
+              <a:t>de la STL, </a:t>
+            </a:r>
+            <a:r>
+              <a:rPr lang="fr-FR" sz="1800" dirty="0" smtClean="0"/>
+              <a:t>…</a:t>
             </a:r>
           </a:p>
           <a:p>
@@ -9106,7 +9088,6 @@
               <a:rPr lang="fr-FR" dirty="0" smtClean="0"/>
               <a:t>De nombreux problèmes rencontrés, mais surmontés !</a:t>
             </a:r>
-            <a:endParaRPr lang="fr-FR" dirty="0" smtClean="0"/>
           </a:p>
         </p:txBody>
       </p:sp>
@@ -9368,6 +9349,28 @@
               <a:rPr lang="fr-FR" sz="1800" dirty="0" smtClean="0"/>
               <a:t>…)</a:t>
             </a:r>
+          </a:p>
+          <a:p>
+            <a:pPr marL="457200" lvl="1" indent="-457200">
+              <a:spcBef>
+                <a:spcPts val="700"/>
+              </a:spcBef>
+              <a:buClrTx/>
+              <a:buSzPct val="95000"/>
+              <a:buNone/>
+            </a:pPr>
+            <a:r>
+              <a:rPr lang="fr-FR" sz="1800" dirty="0" smtClean="0"/>
+              <a:t>- 	Mathieu </a:t>
+            </a:r>
+            <a:r>
+              <a:rPr lang="fr-FR" sz="1800" dirty="0" err="1" smtClean="0"/>
+              <a:t>Triay</a:t>
+            </a:r>
+            <a:r>
+              <a:rPr lang="fr-FR" sz="1800" smtClean="0"/>
+              <a:t> !</a:t>
+            </a:r>
             <a:endParaRPr lang="fr-FR" dirty="0" smtClean="0"/>
           </a:p>
           <a:p>
@@ -9392,11 +9395,7 @@
             <a:pPr marL="457200" indent="-457200" algn="ctr"/>
             <a:r>
               <a:rPr lang="fr-FR" sz="1800" u="sng" dirty="0" smtClean="0"/>
-              <a:t>Merci de </a:t>
-            </a:r>
-            <a:r>
-              <a:rPr lang="fr-FR" sz="1800" u="sng" smtClean="0"/>
-              <a:t>votre attention</a:t>
+              <a:t>Merci de votre attention</a:t>
             </a:r>
             <a:endParaRPr lang="fr-FR" sz="1800" dirty="0" smtClean="0"/>
           </a:p>
@@ -9869,7 +9868,6 @@
               <a:rPr lang="fr-FR" dirty="0" smtClean="0"/>
               <a:t>Nomination : Anglais (Commentaires : Français)</a:t>
             </a:r>
-            <a:endParaRPr lang="fr-FR" dirty="0" smtClean="0"/>
           </a:p>
           <a:p>
             <a:pPr marL="457200" indent="-457200">
@@ -9926,12 +9924,12 @@
               <a:t>Respect de la charte de programmation / </a:t>
             </a:r>
             <a:r>
-              <a:rPr lang="fr-FR" dirty="0" err="1" smtClean="0"/>
-              <a:t>norma</a:t>
-            </a:r>
-            <a:r>
               <a:rPr lang="fr-FR" dirty="0" smtClean="0"/>
-              <a:t> ANSI</a:t>
+              <a:t>normalisation </a:t>
+            </a:r>
+            <a:r>
+              <a:rPr lang="fr-FR" dirty="0" smtClean="0"/>
+              <a:t>ANSI</a:t>
             </a:r>
           </a:p>
           <a:p>
@@ -10171,11 +10169,7 @@
             </a:pPr>
             <a:r>
               <a:rPr lang="fr-FR" b="1" u="sng" dirty="0" smtClean="0"/>
-              <a:t>Structures </a:t>
-            </a:r>
-            <a:r>
-              <a:rPr lang="fr-FR" b="1" u="sng" dirty="0" smtClean="0"/>
-              <a:t>utilisées</a:t>
+              <a:t>Structures utilisées</a:t>
             </a:r>
           </a:p>
           <a:p>
@@ -10220,29 +10214,8 @@
             <a:pPr marL="457200" indent="-457200"/>
             <a:r>
               <a:rPr lang="fr-FR" sz="1800" dirty="0" smtClean="0"/>
-              <a:t>	</a:t>
-            </a:r>
-            <a:r>
-              <a:rPr lang="fr-FR" sz="1800" dirty="0" smtClean="0"/>
-              <a:t>		=&gt;  </a:t>
-            </a:r>
-            <a:r>
-              <a:rPr lang="fr-FR" sz="1800" dirty="0" smtClean="0"/>
-              <a:t>Comparaison </a:t>
-            </a:r>
-            <a:r>
-              <a:rPr lang="fr-FR" sz="1800" dirty="0" smtClean="0"/>
-              <a:t>Vitesse </a:t>
-            </a:r>
-            <a:r>
-              <a:rPr lang="fr-FR" sz="1800" dirty="0" smtClean="0"/>
-              <a:t>/ Espace </a:t>
-            </a:r>
-            <a:r>
-              <a:rPr lang="fr-FR" sz="1800" dirty="0" smtClean="0"/>
-              <a:t>mémoire</a:t>
-            </a:r>
-            <a:endParaRPr lang="fr-FR" sz="1800" dirty="0" smtClean="0"/>
+              <a:t>			=&gt;  Comparaison Vitesse / Espace mémoire</a:t>
+            </a:r>
           </a:p>
           <a:p>
             <a:pPr marL="1197864" lvl="1" indent="-457200">
@@ -10271,17 +10244,8 @@
             <a:pPr marL="457200" indent="-457200"/>
             <a:r>
               <a:rPr lang="fr-FR" sz="1800" dirty="0" smtClean="0"/>
-              <a:t>	</a:t>
-            </a:r>
-            <a:r>
-              <a:rPr lang="fr-FR" sz="1800" dirty="0" smtClean="0"/>
-              <a:t>		=&gt;  </a:t>
-            </a:r>
-            <a:r>
-              <a:rPr lang="fr-FR" sz="1800" dirty="0" smtClean="0"/>
-              <a:t>Clarté </a:t>
-            </a:r>
-            <a:endParaRPr lang="fr-FR" sz="1800" dirty="0" smtClean="0"/>
+              <a:t>			=&gt;  Clarté </a:t>
+            </a:r>
           </a:p>
           <a:p>
             <a:pPr marL="1197864" lvl="1" indent="-457200">
@@ -10511,7 +10475,6 @@
               <a:rPr lang="fr-FR" b="1" u="sng" dirty="0" smtClean="0"/>
               <a:t>Algorithmes principaux</a:t>
             </a:r>
-            <a:endParaRPr lang="fr-FR" b="1" u="sng" dirty="0" smtClean="0"/>
           </a:p>
           <a:p>
             <a:pPr marL="457200" indent="-457200">
@@ -10599,8 +10562,13 @@
             </a:pPr>
             <a:r>
               <a:rPr lang="fr-FR" sz="1800" dirty="0" smtClean="0"/>
-              <a:t>(Optionnel) Affichage des résultat</a:t>
-            </a:r>
+              <a:t>(Optionnel) Affichage des </a:t>
+            </a:r>
+            <a:r>
+              <a:rPr lang="fr-FR" sz="1800" dirty="0" smtClean="0"/>
+              <a:t>résultats</a:t>
+            </a:r>
+            <a:endParaRPr lang="fr-FR" sz="1800" dirty="0" smtClean="0"/>
           </a:p>
         </p:txBody>
       </p:sp>
@@ -10800,7 +10768,6 @@
               <a:rPr lang="fr-FR" b="1" u="sng" dirty="0" smtClean="0"/>
               <a:t>Algorithmes principaux</a:t>
             </a:r>
-            <a:endParaRPr lang="fr-FR" b="1" u="sng" dirty="0" smtClean="0"/>
           </a:p>
           <a:p>
             <a:pPr marL="457200" indent="-457200">
@@ -10821,11 +10788,7 @@
             </a:r>
             <a:r>
               <a:rPr lang="fr-FR" dirty="0" smtClean="0"/>
-              <a:t> </a:t>
-            </a:r>
-            <a:r>
-              <a:rPr lang="fr-FR" dirty="0" smtClean="0"/>
-              <a:t>Graph</a:t>
+              <a:t> Graph</a:t>
             </a:r>
             <a:r>
               <a:rPr lang="fr-FR" dirty="0" smtClean="0">
@@ -10945,7 +10908,6 @@
               <a:rPr lang="fr-FR" dirty="0" smtClean="0"/>
               <a:t>)</a:t>
             </a:r>
-            <a:endParaRPr lang="fr-FR" dirty="0" smtClean="0"/>
           </a:p>
         </p:txBody>
       </p:sp>
@@ -11145,7 +11107,6 @@
               <a:rPr lang="fr-FR" b="1" u="sng" dirty="0" smtClean="0"/>
               <a:t>Algorithmes principaux</a:t>
             </a:r>
-            <a:endParaRPr lang="fr-FR" b="1" u="sng" dirty="0" smtClean="0"/>
           </a:p>
           <a:p>
             <a:pPr marL="457200" indent="-457200">
@@ -11271,12 +11232,12 @@
               <a:buChar char="-"/>
             </a:pPr>
             <a:r>
-              <a:rPr lang="fr-FR" dirty="0" err="1" smtClean="0"/>
-              <a:t>Renvoit</a:t>
-            </a:r>
-            <a:r>
               <a:rPr lang="fr-FR" dirty="0" smtClean="0"/>
-              <a:t> du </a:t>
+              <a:t>Renvoie </a:t>
+            </a:r>
+            <a:r>
+              <a:rPr lang="fr-FR" dirty="0" smtClean="0"/>
+              <a:t>du </a:t>
             </a:r>
             <a:r>
               <a:rPr lang="fr-FR" dirty="0" err="1" smtClean="0"/>
@@ -11482,7 +11443,6 @@
               <a:rPr lang="fr-FR" b="1" u="sng" dirty="0" smtClean="0"/>
               <a:t>Algorithmes principaux</a:t>
             </a:r>
-            <a:endParaRPr lang="fr-FR" b="1" u="sng" dirty="0" smtClean="0"/>
           </a:p>
           <a:p>
             <a:pPr marL="457200" indent="-457200">
@@ -11581,7 +11541,6 @@
               <a:rPr lang="fr-FR" dirty="0" smtClean="0"/>
               <a:t>(i, temps) pour chaque sommet non déjà parcouru</a:t>
             </a:r>
-            <a:endParaRPr lang="fr-FR" dirty="0" smtClean="0"/>
           </a:p>
         </p:txBody>
       </p:sp>
@@ -11781,7 +11740,6 @@
               <a:rPr lang="fr-FR" b="1" u="sng" dirty="0" smtClean="0"/>
               <a:t>Algorithmes principaux</a:t>
             </a:r>
-            <a:endParaRPr lang="fr-FR" b="1" u="sng" dirty="0" smtClean="0"/>
           </a:p>
           <a:p>
             <a:pPr marL="457200" indent="-457200">
@@ -11977,7 +11935,6 @@
               <a:rPr lang="fr-FR" dirty="0" smtClean="0"/>
               <a:t>Enregistrement du temps de fin</a:t>
             </a:r>
-            <a:endParaRPr lang="fr-FR" dirty="0" smtClean="0"/>
           </a:p>
         </p:txBody>
       </p:sp>

--- a/trunk/doc/pptx cpp.pptx
+++ b/trunk/doc/pptx cpp.pptx
@@ -7413,6 +7413,27 @@
             <a:off x="464344" y="1600200"/>
             <a:ext cx="8179622" cy="4525963"/>
           </a:xfrm>
+          <a:solidFill>
+            <a:schemeClr val="tx2">
+              <a:lumMod val="20000"/>
+              <a:lumOff val="80000"/>
+            </a:schemeClr>
+          </a:solidFill>
+          <a:ln>
+            <a:solidFill>
+              <a:schemeClr val="accent1">
+                <a:lumMod val="40000"/>
+                <a:lumOff val="60000"/>
+              </a:schemeClr>
+            </a:solidFill>
+          </a:ln>
+          <a:effectLst>
+            <a:outerShdw blurRad="50800" dist="38100" dir="2700000" algn="tl" rotWithShape="0">
+              <a:prstClr val="black">
+                <a:alpha val="40000"/>
+              </a:prstClr>
+            </a:outerShdw>
+          </a:effectLst>
         </p:spPr>
         <p:txBody>
           <a:bodyPr>
@@ -7553,13 +7574,8 @@
             </a:pPr>
             <a:r>
               <a:rPr lang="fr-FR" sz="1800" dirty="0" smtClean="0"/>
-              <a:t>Sinon d = t[i].b, f = t[i].</a:t>
-            </a:r>
-            <a:r>
-              <a:rPr lang="fr-FR" sz="1800" dirty="0" smtClean="0"/>
-              <a:t>f, on débute une nouvelle CFC</a:t>
-            </a:r>
-            <a:endParaRPr lang="fr-FR" sz="1800" dirty="0" smtClean="0"/>
+              <a:t>Sinon d = t[i].b, f = t[i].f, on débute une nouvelle CFC</a:t>
+            </a:r>
           </a:p>
         </p:txBody>
       </p:sp>
@@ -7742,6 +7758,27 @@
             <a:off x="464344" y="1600200"/>
             <a:ext cx="8536812" cy="5186386"/>
           </a:xfrm>
+          <a:solidFill>
+            <a:schemeClr val="tx2">
+              <a:lumMod val="20000"/>
+              <a:lumOff val="80000"/>
+            </a:schemeClr>
+          </a:solidFill>
+          <a:ln>
+            <a:solidFill>
+              <a:schemeClr val="accent1">
+                <a:lumMod val="40000"/>
+                <a:lumOff val="60000"/>
+              </a:schemeClr>
+            </a:solidFill>
+          </a:ln>
+          <a:effectLst>
+            <a:outerShdw blurRad="50800" dist="38100" dir="2700000" algn="tl" rotWithShape="0">
+              <a:prstClr val="black">
+                <a:alpha val="40000"/>
+              </a:prstClr>
+            </a:outerShdw>
+          </a:effectLst>
         </p:spPr>
         <p:txBody>
           <a:bodyPr>
@@ -7878,15 +7915,7 @@
             </a:pPr>
             <a:r>
               <a:rPr lang="fr-FR" dirty="0" smtClean="0"/>
-              <a:t>Initialisation des temps d’accès à INT_MAX (</a:t>
-            </a:r>
-            <a:r>
-              <a:rPr lang="fr-FR" dirty="0" smtClean="0"/>
-              <a:t>Equivalent </a:t>
-            </a:r>
-            <a:r>
-              <a:rPr lang="fr-FR" dirty="0" smtClean="0"/>
-              <a:t>∞)</a:t>
+              <a:t>Initialisation des temps d’accès à INT_MAX (Equivalent ∞)</a:t>
             </a:r>
           </a:p>
           <a:p>
@@ -7990,11 +8019,7 @@
             </a:pPr>
             <a:r>
               <a:rPr lang="fr-FR" dirty="0" smtClean="0"/>
-              <a:t>Renvoie </a:t>
-            </a:r>
-            <a:r>
-              <a:rPr lang="fr-FR" dirty="0" smtClean="0"/>
-              <a:t>du </a:t>
+              <a:t>Renvoie du </a:t>
             </a:r>
             <a:r>
               <a:rPr lang="fr-FR" dirty="0" err="1" smtClean="0"/>
@@ -8204,6 +8229,27 @@
             <a:off x="464344" y="1600200"/>
             <a:ext cx="8251060" cy="4525963"/>
           </a:xfrm>
+          <a:solidFill>
+            <a:schemeClr val="tx2">
+              <a:lumMod val="20000"/>
+              <a:lumOff val="80000"/>
+            </a:schemeClr>
+          </a:solidFill>
+          <a:ln>
+            <a:solidFill>
+              <a:schemeClr val="accent1">
+                <a:lumMod val="40000"/>
+                <a:lumOff val="60000"/>
+              </a:schemeClr>
+            </a:solidFill>
+          </a:ln>
+          <a:effectLst>
+            <a:outerShdw blurRad="50800" dist="38100" dir="2700000" algn="tl" rotWithShape="0">
+              <a:prstClr val="black">
+                <a:alpha val="40000"/>
+              </a:prstClr>
+            </a:outerShdw>
+          </a:effectLst>
         </p:spPr>
         <p:txBody>
           <a:bodyPr>
@@ -8291,13 +8337,8 @@
             </a:pPr>
             <a:r>
               <a:rPr lang="fr-FR" dirty="0" smtClean="0"/>
-              <a:t>Pour chaque </a:t>
-            </a:r>
-            <a:r>
-              <a:rPr lang="fr-FR" dirty="0" smtClean="0"/>
-              <a:t>point de départ distinct x faire</a:t>
-            </a:r>
-            <a:endParaRPr lang="fr-FR" dirty="0" smtClean="0"/>
+              <a:t>Pour chaque point de départ distinct x faire</a:t>
+            </a:r>
           </a:p>
           <a:p>
             <a:pPr marL="1197864" lvl="1" indent="-457200">
@@ -8340,17 +8381,8 @@
             </a:r>
             <a:r>
               <a:rPr lang="fr-FR" sz="1800" dirty="0" smtClean="0"/>
-              <a:t> </a:t>
-            </a:r>
-            <a:r>
-              <a:rPr lang="fr-FR" sz="1800" dirty="0" smtClean="0"/>
-              <a:t>= d(y</a:t>
-            </a:r>
-            <a:r>
-              <a:rPr lang="fr-FR" sz="1800" dirty="0" smtClean="0"/>
-              <a:t>) dans le tableau de x</a:t>
-            </a:r>
-            <a:endParaRPr lang="fr-FR" sz="1800" dirty="0" smtClean="0"/>
+              <a:t> = d(y) dans le tableau de x</a:t>
+            </a:r>
           </a:p>
           <a:p>
             <a:pPr marL="1197864" lvl="1" indent="-457200">
@@ -8603,6 +8635,27 @@
             <a:off x="464344" y="1600200"/>
             <a:ext cx="8536812" cy="4525963"/>
           </a:xfrm>
+          <a:solidFill>
+            <a:schemeClr val="tx2">
+              <a:lumMod val="20000"/>
+              <a:lumOff val="80000"/>
+            </a:schemeClr>
+          </a:solidFill>
+          <a:ln>
+            <a:solidFill>
+              <a:schemeClr val="accent1">
+                <a:lumMod val="40000"/>
+                <a:lumOff val="60000"/>
+              </a:schemeClr>
+            </a:solidFill>
+          </a:ln>
+          <a:effectLst>
+            <a:outerShdw blurRad="50800" dist="38100" dir="2700000" algn="tl" rotWithShape="0">
+              <a:prstClr val="black">
+                <a:alpha val="40000"/>
+              </a:prstClr>
+            </a:outerShdw>
+          </a:effectLst>
         </p:spPr>
         <p:txBody>
           <a:bodyPr>
@@ -8725,15 +8778,7 @@
             </a:pPr>
             <a:r>
               <a:rPr lang="fr-FR" dirty="0" smtClean="0"/>
-              <a:t>Traitement des cas simples : Source / </a:t>
-            </a:r>
-            <a:r>
-              <a:rPr lang="fr-FR" dirty="0" smtClean="0"/>
-              <a:t>Puits </a:t>
-            </a:r>
-            <a:r>
-              <a:rPr lang="fr-FR" dirty="0" smtClean="0"/>
-              <a:t>/ Point isolé</a:t>
+              <a:t>Traitement des cas simples : Source / Puits / Point isolé</a:t>
             </a:r>
           </a:p>
           <a:p>
@@ -8760,15 +8805,7 @@
             </a:pPr>
             <a:r>
               <a:rPr lang="fr-FR" sz="1800" dirty="0" smtClean="0"/>
-              <a:t>Si un des fils de x </a:t>
-            </a:r>
-            <a:r>
-              <a:rPr lang="fr-FR" sz="1800" dirty="0" smtClean="0"/>
-              <a:t>de la même CFC n’a </a:t>
-            </a:r>
-            <a:r>
-              <a:rPr lang="fr-FR" sz="1800" dirty="0" smtClean="0"/>
-              <a:t>pas d’autres père de la même CFC</a:t>
+              <a:t>Si un des fils de x de la même CFC n’a pas d’autres père de la même CFC</a:t>
             </a:r>
             <a:endParaRPr lang="fr-FR" sz="1400" dirty="0" smtClean="0"/>
           </a:p>
@@ -8996,9 +9033,30 @@
         </p:nvSpPr>
         <p:spPr>
           <a:xfrm>
-            <a:off x="464344" y="1600200"/>
-            <a:ext cx="7965308" cy="4525963"/>
+            <a:off x="464344" y="1600201"/>
+            <a:ext cx="7965308" cy="3328998"/>
           </a:xfrm>
+          <a:solidFill>
+            <a:schemeClr val="tx2">
+              <a:lumMod val="20000"/>
+              <a:lumOff val="80000"/>
+            </a:schemeClr>
+          </a:solidFill>
+          <a:ln>
+            <a:solidFill>
+              <a:schemeClr val="accent1">
+                <a:lumMod val="40000"/>
+                <a:lumOff val="60000"/>
+              </a:schemeClr>
+            </a:solidFill>
+          </a:ln>
+          <a:effectLst>
+            <a:outerShdw blurRad="50800" dist="38100" dir="2700000" algn="tl" rotWithShape="0">
+              <a:prstClr val="black">
+                <a:alpha val="40000"/>
+              </a:prstClr>
+            </a:outerShdw>
+          </a:effectLst>
         </p:spPr>
         <p:txBody>
           <a:bodyPr>
@@ -9058,15 +9116,7 @@
             </a:pPr>
             <a:r>
               <a:rPr lang="fr-FR" sz="1800" dirty="0" smtClean="0"/>
-              <a:t>Découverte des Unit Test, </a:t>
-            </a:r>
-            <a:r>
-              <a:rPr lang="fr-FR" sz="1800" dirty="0" smtClean="0"/>
-              <a:t>de la STL, </a:t>
-            </a:r>
-            <a:r>
-              <a:rPr lang="fr-FR" sz="1800" dirty="0" smtClean="0"/>
-              <a:t>…</a:t>
+              <a:t>Découverte des Unit Test, de la STL, …</a:t>
             </a:r>
           </a:p>
           <a:p>
@@ -9270,6 +9320,27 @@
             <a:off x="464344" y="1600200"/>
             <a:ext cx="7965308" cy="4525963"/>
           </a:xfrm>
+          <a:solidFill>
+            <a:schemeClr val="tx2">
+              <a:lumMod val="20000"/>
+              <a:lumOff val="80000"/>
+            </a:schemeClr>
+          </a:solidFill>
+          <a:ln>
+            <a:solidFill>
+              <a:schemeClr val="accent1">
+                <a:lumMod val="40000"/>
+                <a:lumOff val="60000"/>
+              </a:schemeClr>
+            </a:solidFill>
+          </a:ln>
+          <a:effectLst>
+            <a:outerShdw blurRad="50800" dist="38100" dir="2700000" algn="tl" rotWithShape="0">
+              <a:prstClr val="black">
+                <a:alpha val="40000"/>
+              </a:prstClr>
+            </a:outerShdw>
+          </a:effectLst>
         </p:spPr>
         <p:txBody>
           <a:bodyPr>
@@ -9343,11 +9414,7 @@
             </a:r>
             <a:r>
               <a:rPr lang="fr-FR" sz="1800" dirty="0" smtClean="0"/>
-              <a:t>, Google Code, Google Test, Google Docs, </a:t>
-            </a:r>
-            <a:r>
-              <a:rPr lang="fr-FR" sz="1800" dirty="0" smtClean="0"/>
-              <a:t>…)</a:t>
+              <a:t>, Google Code, Google Test, Google Docs, …)</a:t>
             </a:r>
           </a:p>
           <a:p>
@@ -9814,169 +9881,6 @@
       </p:sp>
       <p:sp>
         <p:nvSpPr>
-          <p:cNvPr id="3" name="Rectangle 2"/>
-          <p:cNvSpPr>
-            <a:spLocks noGrp="1"/>
-          </p:cNvSpPr>
-          <p:nvPr>
-            <p:ph sz="half" idx="1"/>
-          </p:nvPr>
-        </p:nvSpPr>
-        <p:spPr>
-          <a:xfrm>
-            <a:off x="464344" y="1600200"/>
-            <a:ext cx="7465242" cy="4900634"/>
-          </a:xfrm>
-        </p:spPr>
-        <p:txBody>
-          <a:bodyPr>
-            <a:normAutofit/>
-          </a:bodyPr>
-          <a:lstStyle>
-            <a:extLst/>
-          </a:lstStyle>
-          <a:p>
-            <a:pPr marL="457200" indent="-457200">
-              <a:buFont typeface="+mj-lt"/>
-              <a:buAutoNum type="arabicPeriod"/>
-            </a:pPr>
-            <a:r>
-              <a:rPr lang="fr-FR" b="1" u="sng" dirty="0" smtClean="0"/>
-              <a:t>Présentation générale</a:t>
-            </a:r>
-            <a:br>
-              <a:rPr lang="fr-FR" b="1" u="sng" dirty="0" smtClean="0"/>
-            </a:br>
-            <a:endParaRPr lang="fr-FR" dirty="0" smtClean="0"/>
-          </a:p>
-          <a:p>
-            <a:pPr marL="457200" indent="-457200">
-              <a:buFontTx/>
-              <a:buChar char="-"/>
-            </a:pPr>
-            <a:r>
-              <a:rPr lang="fr-FR" dirty="0" smtClean="0"/>
-              <a:t>Langage : C++</a:t>
-            </a:r>
-          </a:p>
-          <a:p>
-            <a:pPr marL="457200" indent="-457200">
-              <a:buFontTx/>
-              <a:buChar char="-"/>
-            </a:pPr>
-            <a:r>
-              <a:rPr lang="fr-FR" dirty="0" smtClean="0"/>
-              <a:t>Nomination : Anglais (Commentaires : Français)</a:t>
-            </a:r>
-          </a:p>
-          <a:p>
-            <a:pPr marL="457200" indent="-457200">
-              <a:buFontTx/>
-              <a:buChar char="-"/>
-            </a:pPr>
-            <a:r>
-              <a:rPr lang="fr-FR" dirty="0" smtClean="0"/>
-              <a:t>Outils annexes : </a:t>
-            </a:r>
-          </a:p>
-          <a:p>
-            <a:pPr marL="1197864" lvl="1" indent="-457200">
-              <a:buFontTx/>
-              <a:buChar char="-"/>
-            </a:pPr>
-            <a:r>
-              <a:rPr lang="fr-FR" sz="1800" dirty="0" err="1" smtClean="0"/>
-              <a:t>SubVersion</a:t>
-            </a:r>
-            <a:r>
-              <a:rPr lang="fr-FR" sz="1800" dirty="0" smtClean="0"/>
-              <a:t> (SVN)</a:t>
-            </a:r>
-          </a:p>
-          <a:p>
-            <a:pPr marL="1197864" lvl="1" indent="-457200">
-              <a:buFontTx/>
-              <a:buChar char="-"/>
-            </a:pPr>
-            <a:r>
-              <a:rPr lang="fr-FR" sz="1800" dirty="0" err="1" smtClean="0"/>
-              <a:t>Valgrind</a:t>
-            </a:r>
-            <a:endParaRPr lang="fr-FR" sz="1800" dirty="0" smtClean="0"/>
-          </a:p>
-          <a:p>
-            <a:pPr marL="1197864" lvl="1" indent="-457200">
-              <a:buFontTx/>
-              <a:buChar char="-"/>
-            </a:pPr>
-            <a:r>
-              <a:rPr lang="fr-FR" sz="1800" dirty="0" smtClean="0"/>
-              <a:t>Google Test</a:t>
-            </a:r>
-          </a:p>
-          <a:p>
-            <a:pPr marL="457200" indent="-457200">
-              <a:buFontTx/>
-              <a:buChar char="-"/>
-            </a:pPr>
-            <a:r>
-              <a:rPr lang="fr-FR" dirty="0" smtClean="0"/>
-              <a:t>Respect de la charte de programmation / </a:t>
-            </a:r>
-            <a:r>
-              <a:rPr lang="fr-FR" dirty="0" smtClean="0"/>
-              <a:t>normalisation </a:t>
-            </a:r>
-            <a:r>
-              <a:rPr lang="fr-FR" dirty="0" smtClean="0"/>
-              <a:t>ANSI</a:t>
-            </a:r>
-          </a:p>
-          <a:p>
-            <a:pPr marL="457200" indent="-457200">
-              <a:buFontTx/>
-              <a:buChar char="-"/>
-            </a:pPr>
-            <a:r>
-              <a:rPr lang="fr-FR" dirty="0" smtClean="0"/>
-              <a:t>Application semi-portable</a:t>
-            </a:r>
-          </a:p>
-          <a:p>
-            <a:pPr marL="457200" indent="-457200">
-              <a:buFontTx/>
-              <a:buChar char="-"/>
-            </a:pPr>
-            <a:r>
-              <a:rPr lang="fr-FR" dirty="0" err="1" smtClean="0"/>
-              <a:t>Makefile</a:t>
-            </a:r>
-            <a:r>
-              <a:rPr lang="fr-FR" dirty="0" smtClean="0"/>
-              <a:t> complet</a:t>
-            </a:r>
-          </a:p>
-          <a:p>
-            <a:pPr marL="457200" indent="-457200">
-              <a:buFontTx/>
-              <a:buChar char="-"/>
-            </a:pPr>
-            <a:r>
-              <a:rPr lang="fr-FR" dirty="0" smtClean="0"/>
-              <a:t>Acronyme récursif !</a:t>
-            </a:r>
-          </a:p>
-          <a:p>
-            <a:pPr marL="457200" indent="-457200">
-              <a:buFontTx/>
-              <a:buChar char="-"/>
-            </a:pPr>
-            <a:endParaRPr lang="fr-FR" dirty="0" smtClean="0"/>
-          </a:p>
-        </p:txBody>
-      </p:sp>
-      <p:sp>
-        <p:nvSpPr>
           <p:cNvPr id="14" name="Espace réservé du numéro de diapositive 13"/>
           <p:cNvSpPr>
             <a:spLocks noGrp="1"/>
@@ -10020,6 +9924,182 @@
               <a:t>24/05/2010</a:t>
             </a:r>
             <a:endParaRPr kumimoji="0" lang="fr-FR" dirty="0"/>
+          </a:p>
+        </p:txBody>
+      </p:sp>
+      <p:sp>
+        <p:nvSpPr>
+          <p:cNvPr id="7" name="ZoneTexte 6"/>
+          <p:cNvSpPr txBox="1"/>
+          <p:nvPr/>
+        </p:nvSpPr>
+        <p:spPr>
+          <a:xfrm>
+            <a:off x="500034" y="1571612"/>
+            <a:ext cx="7000924" cy="3970318"/>
+          </a:xfrm>
+          <a:prstGeom prst="rect">
+            <a:avLst/>
+          </a:prstGeom>
+          <a:solidFill>
+            <a:schemeClr val="tx2">
+              <a:lumMod val="20000"/>
+              <a:lumOff val="80000"/>
+            </a:schemeClr>
+          </a:solidFill>
+          <a:ln>
+            <a:solidFill>
+              <a:schemeClr val="accent1">
+                <a:lumMod val="40000"/>
+                <a:lumOff val="60000"/>
+              </a:schemeClr>
+            </a:solidFill>
+          </a:ln>
+          <a:effectLst>
+            <a:outerShdw blurRad="50800" dist="38100" dir="2700000" algn="tl" rotWithShape="0">
+              <a:prstClr val="black">
+                <a:alpha val="40000"/>
+              </a:prstClr>
+            </a:outerShdw>
+          </a:effectLst>
+        </p:spPr>
+        <p:txBody>
+          <a:bodyPr wrap="square" rtlCol="0">
+            <a:spAutoFit/>
+          </a:bodyPr>
+          <a:lstStyle/>
+          <a:p>
+            <a:pPr marL="457200" indent="-457200">
+              <a:buFont typeface="+mj-lt"/>
+              <a:buAutoNum type="arabicPeriod"/>
+            </a:pPr>
+            <a:r>
+              <a:rPr lang="fr-FR" b="1" u="sng" dirty="0" smtClean="0"/>
+              <a:t>Présentation générale</a:t>
+            </a:r>
+            <a:br>
+              <a:rPr lang="fr-FR" b="1" u="sng" dirty="0" smtClean="0"/>
+            </a:br>
+            <a:endParaRPr lang="fr-FR" dirty="0" smtClean="0"/>
+          </a:p>
+          <a:p>
+            <a:pPr marL="457200" indent="-457200">
+              <a:buFontTx/>
+              <a:buChar char="-"/>
+            </a:pPr>
+            <a:r>
+              <a:rPr lang="fr-FR" dirty="0" smtClean="0"/>
+              <a:t>Langage : C++</a:t>
+            </a:r>
+          </a:p>
+          <a:p>
+            <a:pPr marL="457200" indent="-457200">
+              <a:buFontTx/>
+              <a:buChar char="-"/>
+            </a:pPr>
+            <a:r>
+              <a:rPr lang="fr-FR" dirty="0" smtClean="0"/>
+              <a:t>Nomination : Anglais (Commentaires : Français)</a:t>
+            </a:r>
+          </a:p>
+          <a:p>
+            <a:pPr marL="457200" indent="-457200">
+              <a:buFontTx/>
+              <a:buChar char="-"/>
+            </a:pPr>
+            <a:r>
+              <a:rPr lang="fr-FR" dirty="0" smtClean="0"/>
+              <a:t>Outils annexes : </a:t>
+            </a:r>
+          </a:p>
+          <a:p>
+            <a:pPr marL="1197864" lvl="1" indent="-457200">
+              <a:buFontTx/>
+              <a:buChar char="-"/>
+            </a:pPr>
+            <a:r>
+              <a:rPr lang="fr-FR" dirty="0" err="1" smtClean="0"/>
+              <a:t>SubVersion</a:t>
+            </a:r>
+            <a:r>
+              <a:rPr lang="fr-FR" dirty="0" smtClean="0"/>
+              <a:t> (SVN)</a:t>
+            </a:r>
+          </a:p>
+          <a:p>
+            <a:pPr marL="1197864" lvl="1" indent="-457200">
+              <a:buFontTx/>
+              <a:buChar char="-"/>
+            </a:pPr>
+            <a:r>
+              <a:rPr lang="fr-FR" dirty="0" err="1" smtClean="0"/>
+              <a:t>Valgrind</a:t>
+            </a:r>
+            <a:endParaRPr lang="fr-FR" dirty="0" smtClean="0"/>
+          </a:p>
+          <a:p>
+            <a:pPr marL="1197864" lvl="1" indent="-457200">
+              <a:buFontTx/>
+              <a:buChar char="-"/>
+            </a:pPr>
+            <a:r>
+              <a:rPr lang="fr-FR" dirty="0" smtClean="0"/>
+              <a:t>Google Test</a:t>
+            </a:r>
+          </a:p>
+          <a:p>
+            <a:pPr marL="457200" indent="-457200">
+              <a:buFontTx/>
+              <a:buChar char="-"/>
+            </a:pPr>
+            <a:r>
+              <a:rPr lang="fr-FR" dirty="0" smtClean="0"/>
+              <a:t>Respect de la charte de programmation / normalisation ANSI</a:t>
+            </a:r>
+          </a:p>
+          <a:p>
+            <a:pPr marL="457200" indent="-457200">
+              <a:buFontTx/>
+              <a:buChar char="-"/>
+            </a:pPr>
+            <a:r>
+              <a:rPr lang="fr-FR" dirty="0" smtClean="0"/>
+              <a:t>Application semi-portable</a:t>
+            </a:r>
+          </a:p>
+          <a:p>
+            <a:pPr marL="457200" indent="-457200">
+              <a:buFontTx/>
+              <a:buChar char="-"/>
+            </a:pPr>
+            <a:r>
+              <a:rPr lang="fr-FR" dirty="0" err="1" smtClean="0"/>
+              <a:t>Makefile</a:t>
+            </a:r>
+            <a:r>
+              <a:rPr lang="fr-FR" dirty="0" smtClean="0"/>
+              <a:t> complet</a:t>
+            </a:r>
+          </a:p>
+          <a:p>
+            <a:pPr marL="457200" indent="-457200">
+              <a:buFontTx/>
+              <a:buChar char="-"/>
+            </a:pPr>
+            <a:r>
+              <a:rPr lang="fr-FR" dirty="0" smtClean="0"/>
+              <a:t>Acronyme récursif !</a:t>
+            </a:r>
+          </a:p>
+          <a:p>
+            <a:pPr marL="457200" indent="-457200">
+              <a:buFontTx/>
+              <a:buChar char="-"/>
+            </a:pPr>
+            <a:endParaRPr lang="fr-FR" dirty="0" smtClean="0"/>
+          </a:p>
+          <a:p>
+            <a:endParaRPr lang="fr-FR" dirty="0"/>
           </a:p>
         </p:txBody>
       </p:sp>
@@ -10151,13 +10231,34 @@
         </p:nvSpPr>
         <p:spPr>
           <a:xfrm>
-            <a:off x="464344" y="1600200"/>
-            <a:ext cx="7965308" cy="4525963"/>
+            <a:off x="464344" y="1600201"/>
+            <a:ext cx="7608118" cy="3829064"/>
           </a:xfrm>
+          <a:solidFill>
+            <a:schemeClr val="tx2">
+              <a:lumMod val="20000"/>
+              <a:lumOff val="80000"/>
+            </a:schemeClr>
+          </a:solidFill>
+          <a:ln>
+            <a:solidFill>
+              <a:schemeClr val="accent1">
+                <a:lumMod val="40000"/>
+                <a:lumOff val="60000"/>
+              </a:schemeClr>
+            </a:solidFill>
+          </a:ln>
+          <a:effectLst>
+            <a:outerShdw blurRad="50800" dist="38100" dir="2700000" algn="tl" rotWithShape="0">
+              <a:prstClr val="black">
+                <a:alpha val="40000"/>
+              </a:prstClr>
+            </a:outerShdw>
+          </a:effectLst>
         </p:spPr>
         <p:txBody>
           <a:bodyPr>
-            <a:normAutofit/>
+            <a:normAutofit lnSpcReduction="10000"/>
           </a:bodyPr>
           <a:lstStyle>
             <a:extLst/>
@@ -10455,9 +10556,30 @@
         </p:nvSpPr>
         <p:spPr>
           <a:xfrm>
-            <a:off x="464344" y="1600200"/>
-            <a:ext cx="7965308" cy="4525963"/>
+            <a:off x="464344" y="1600201"/>
+            <a:ext cx="7536680" cy="3971940"/>
           </a:xfrm>
+          <a:solidFill>
+            <a:schemeClr val="tx2">
+              <a:lumMod val="20000"/>
+              <a:lumOff val="80000"/>
+            </a:schemeClr>
+          </a:solidFill>
+          <a:ln>
+            <a:solidFill>
+              <a:schemeClr val="accent1">
+                <a:lumMod val="40000"/>
+                <a:lumOff val="60000"/>
+              </a:schemeClr>
+            </a:solidFill>
+          </a:ln>
+          <a:effectLst>
+            <a:outerShdw blurRad="50800" dist="38100" dir="2700000" algn="tl" rotWithShape="0">
+              <a:prstClr val="black">
+                <a:alpha val="40000"/>
+              </a:prstClr>
+            </a:outerShdw>
+          </a:effectLst>
         </p:spPr>
         <p:txBody>
           <a:bodyPr>
@@ -10562,13 +10684,8 @@
             </a:pPr>
             <a:r>
               <a:rPr lang="fr-FR" sz="1800" dirty="0" smtClean="0"/>
-              <a:t>(Optionnel) Affichage des </a:t>
-            </a:r>
-            <a:r>
-              <a:rPr lang="fr-FR" sz="1800" dirty="0" smtClean="0"/>
-              <a:t>résultats</a:t>
-            </a:r>
-            <a:endParaRPr lang="fr-FR" sz="1800" dirty="0" smtClean="0"/>
+              <a:t>(Optionnel) Affichage des résultats</a:t>
+            </a:r>
           </a:p>
         </p:txBody>
       </p:sp>
@@ -10748,9 +10865,30 @@
         </p:nvSpPr>
         <p:spPr>
           <a:xfrm>
-            <a:off x="464344" y="1600200"/>
-            <a:ext cx="7965308" cy="4525963"/>
+            <a:off x="464344" y="1600201"/>
+            <a:ext cx="7965308" cy="3114684"/>
           </a:xfrm>
+          <a:solidFill>
+            <a:schemeClr val="tx2">
+              <a:lumMod val="20000"/>
+              <a:lumOff val="80000"/>
+            </a:schemeClr>
+          </a:solidFill>
+          <a:ln>
+            <a:solidFill>
+              <a:schemeClr val="accent1">
+                <a:lumMod val="40000"/>
+                <a:lumOff val="60000"/>
+              </a:schemeClr>
+            </a:solidFill>
+          </a:ln>
+          <a:effectLst>
+            <a:outerShdw blurRad="50800" dist="38100" dir="2700000" algn="tl" rotWithShape="0">
+              <a:prstClr val="black">
+                <a:alpha val="40000"/>
+              </a:prstClr>
+            </a:outerShdw>
+          </a:effectLst>
         </p:spPr>
         <p:txBody>
           <a:bodyPr>
@@ -11090,6 +11228,27 @@
             <a:off x="464344" y="1600200"/>
             <a:ext cx="8251060" cy="4525963"/>
           </a:xfrm>
+          <a:solidFill>
+            <a:schemeClr val="tx2">
+              <a:lumMod val="20000"/>
+              <a:lumOff val="80000"/>
+            </a:schemeClr>
+          </a:solidFill>
+          <a:ln>
+            <a:solidFill>
+              <a:schemeClr val="accent1">
+                <a:lumMod val="40000"/>
+                <a:lumOff val="60000"/>
+              </a:schemeClr>
+            </a:solidFill>
+          </a:ln>
+          <a:effectLst>
+            <a:outerShdw blurRad="50800" dist="38100" dir="2700000" algn="tl" rotWithShape="0">
+              <a:prstClr val="black">
+                <a:alpha val="40000"/>
+              </a:prstClr>
+            </a:outerShdw>
+          </a:effectLst>
         </p:spPr>
         <p:txBody>
           <a:bodyPr>
@@ -11233,11 +11392,7 @@
             </a:pPr>
             <a:r>
               <a:rPr lang="fr-FR" dirty="0" smtClean="0"/>
-              <a:t>Renvoie </a:t>
-            </a:r>
-            <a:r>
-              <a:rPr lang="fr-FR" dirty="0" smtClean="0"/>
-              <a:t>du </a:t>
+              <a:t>Renvoie du </a:t>
             </a:r>
             <a:r>
               <a:rPr lang="fr-FR" dirty="0" err="1" smtClean="0"/>
@@ -11423,9 +11578,30 @@
         </p:nvSpPr>
         <p:spPr>
           <a:xfrm>
-            <a:off x="464344" y="1600200"/>
-            <a:ext cx="8251060" cy="4525963"/>
+            <a:off x="464344" y="1600201"/>
+            <a:ext cx="8251060" cy="2757494"/>
           </a:xfrm>
+          <a:solidFill>
+            <a:schemeClr val="tx2">
+              <a:lumMod val="20000"/>
+              <a:lumOff val="80000"/>
+            </a:schemeClr>
+          </a:solidFill>
+          <a:ln>
+            <a:solidFill>
+              <a:schemeClr val="accent1">
+                <a:lumMod val="40000"/>
+                <a:lumOff val="60000"/>
+              </a:schemeClr>
+            </a:solidFill>
+          </a:ln>
+          <a:effectLst>
+            <a:outerShdw blurRad="50800" dist="38100" dir="2700000" algn="tl" rotWithShape="0">
+              <a:prstClr val="black">
+                <a:alpha val="40000"/>
+              </a:prstClr>
+            </a:outerShdw>
+          </a:effectLst>
         </p:spPr>
         <p:txBody>
           <a:bodyPr>
@@ -11720,9 +11896,30 @@
         </p:nvSpPr>
         <p:spPr>
           <a:xfrm>
-            <a:off x="464344" y="1600200"/>
-            <a:ext cx="8251060" cy="4525963"/>
+            <a:off x="464344" y="1600201"/>
+            <a:ext cx="8251060" cy="4114816"/>
           </a:xfrm>
+          <a:solidFill>
+            <a:schemeClr val="tx2">
+              <a:lumMod val="20000"/>
+              <a:lumOff val="80000"/>
+            </a:schemeClr>
+          </a:solidFill>
+          <a:ln>
+            <a:solidFill>
+              <a:schemeClr val="accent1">
+                <a:lumMod val="40000"/>
+                <a:lumOff val="60000"/>
+              </a:schemeClr>
+            </a:solidFill>
+          </a:ln>
+          <a:effectLst>
+            <a:outerShdw blurRad="50800" dist="38100" dir="2700000" algn="tl" rotWithShape="0">
+              <a:prstClr val="black">
+                <a:alpha val="40000"/>
+              </a:prstClr>
+            </a:outerShdw>
+          </a:effectLst>
         </p:spPr>
         <p:txBody>
           <a:bodyPr>
